--- a/spring13/slides13/microquiz-apr1.pptx
+++ b/spring13/slides13/microquiz-apr1.pptx
@@ -3134,7 +3134,27 @@
                 <a:latin typeface="Comic Sans MS"/>
                 <a:cs typeface="Comic Sans MS"/>
               </a:rPr>
-              <a:t>211 vertices </a:t>
+              <a:t>2</a:t>
+            </a:r>
+            <a:r>
+              <a:rPr lang="en-US" sz="3200" baseline="30000" dirty="0" smtClean="0">
+                <a:solidFill>
+                  <a:srgbClr val="0000FF"/>
+                </a:solidFill>
+                <a:latin typeface="Comic Sans MS"/>
+                <a:cs typeface="Comic Sans MS"/>
+              </a:rPr>
+              <a:t>11</a:t>
+            </a:r>
+            <a:r>
+              <a:rPr lang="en-US" sz="3200" dirty="0" smtClean="0">
+                <a:solidFill>
+                  <a:srgbClr val="0000FF"/>
+                </a:solidFill>
+                <a:latin typeface="Comic Sans MS"/>
+                <a:cs typeface="Comic Sans MS"/>
+              </a:rPr>
+              <a:t> vertices </a:t>
             </a:r>
             <a:r>
               <a:rPr lang="en-US" sz="3200" dirty="0" smtClean="0">
@@ -3242,21 +3262,8 @@
                   <a:srgbClr val="800000"/>
                 </a:solidFill>
               </a:rPr>
-              <a:t>, </a:t>
-            </a:r>
-            <a:r>
-              <a:rPr lang="en-US" dirty="0" smtClean="0">
-                <a:solidFill>
-                  <a:srgbClr val="800000"/>
-                </a:solidFill>
-              </a:rPr>
-              <a:t>2013</a:t>
-            </a:r>
-            <a:endParaRPr lang="en-US" dirty="0" smtClean="0">
-              <a:solidFill>
-                <a:srgbClr val="800000"/>
-              </a:solidFill>
-            </a:endParaRPr>
+              <a:t>, 2013</a:t>
+            </a:r>
           </a:p>
         </p:txBody>
       </p:sp>
@@ -3282,7 +3289,7 @@
           <a:graphicData uri="http://schemas.openxmlformats.org/presentationml/2006/ole">
             <mc:AlternateContent xmlns:mc="http://schemas.openxmlformats.org/markup-compatibility/2006">
               <mc:Choice xmlns:v="urn:schemas-microsoft-com:vml" Requires="v">
-                <p:oleObj spid="_x0000_s2052" name="Equation" r:id="rId3" imgW="1016000" imgH="393700" progId="Equation.DSMT4">
+                <p:oleObj spid="_x0000_s2056" name="Equation" r:id="rId3" imgW="1016000" imgH="393700" progId="Equation.DSMT4">
                   <p:embed/>
                 </p:oleObj>
               </mc:Choice>
@@ -4208,7 +4215,7 @@
           <a:graphicData uri="http://schemas.openxmlformats.org/presentationml/2006/ole">
             <mc:AlternateContent xmlns:mc="http://schemas.openxmlformats.org/markup-compatibility/2006">
               <mc:Choice xmlns:v="urn:schemas-microsoft-com:vml" Requires="v">
-                <p:oleObj spid="_x0000_s1079" name="Equation" r:id="rId3" imgW="685800" imgH="368300" progId="Equation.3">
+                <p:oleObj spid="_x0000_s1083" name="Equation" r:id="rId3" imgW="685800" imgH="368300" progId="Equation.3">
                   <p:embed/>
                 </p:oleObj>
               </mc:Choice>
@@ -4253,11 +4260,11 @@
   <p:clrMapOvr>
     <a:masterClrMapping/>
   </p:clrMapOvr>
-  <mc:AlternateContent xmlns:mc="http://schemas.openxmlformats.org/markup-compatibility/2006">
-    <mc:Choice xmlns:p14="http://schemas.microsoft.com/office/powerpoint/2010/main" Requires="p14">
+  <mc:AlternateContent xmlns:mc="http://schemas.openxmlformats.org/markup-compatibility/2006" xmlns:p14="http://schemas.microsoft.com/office/powerpoint/2010/main">
+    <mc:Choice Requires="p14">
       <p:transition spd="slow" p14:dur="2000"/>
     </mc:Choice>
-    <mc:Fallback>
+    <mc:Fallback xmlns="">
       <p:transition xmlns:p14="http://schemas.microsoft.com/office/powerpoint/2010/main" spd="slow"/>
     </mc:Fallback>
   </mc:AlternateContent>
@@ -5348,11 +5355,11 @@
   <p:clrMapOvr>
     <a:masterClrMapping/>
   </p:clrMapOvr>
-  <mc:AlternateContent xmlns:mc="http://schemas.openxmlformats.org/markup-compatibility/2006">
-    <mc:Choice xmlns:p14="http://schemas.microsoft.com/office/powerpoint/2010/main" Requires="p14">
+  <mc:AlternateContent xmlns:mc="http://schemas.openxmlformats.org/markup-compatibility/2006" xmlns:p14="http://schemas.microsoft.com/office/powerpoint/2010/main">
+    <mc:Choice Requires="p14">
       <p:transition spd="slow" p14:dur="2000"/>
     </mc:Choice>
-    <mc:Fallback>
+    <mc:Fallback xmlns="">
       <p:transition xmlns:p14="http://schemas.microsoft.com/office/powerpoint/2010/main" spd="slow"/>
     </mc:Fallback>
   </mc:AlternateContent>
